--- a/Capstone_Presentation.pptx
+++ b/Capstone_Presentation.pptx
@@ -20,10 +20,11 @@
     <p:sldId id="305" r:id="rId14"/>
     <p:sldId id="297" r:id="rId15"/>
     <p:sldId id="298" r:id="rId16"/>
-    <p:sldId id="307" r:id="rId17"/>
-    <p:sldId id="308" r:id="rId18"/>
-    <p:sldId id="306" r:id="rId19"/>
-    <p:sldId id="263" r:id="rId20"/>
+    <p:sldId id="309" r:id="rId17"/>
+    <p:sldId id="307" r:id="rId18"/>
+    <p:sldId id="308" r:id="rId19"/>
+    <p:sldId id="306" r:id="rId20"/>
+    <p:sldId id="263" r:id="rId21"/>
   </p:sldIdLst>
   <p:sldSz cx="9144000" cy="5143500" type="screen16x9"/>
   <p:notesSz cx="6858000" cy="9144000"/>
@@ -6576,6 +6577,376 @@
         <p:spPr>
           <a:xfrm>
             <a:off x="251520" y="-308570"/>
+            <a:ext cx="8136904" cy="1944216"/>
+          </a:xfrm>
+        </p:spPr>
+        <p:txBody>
+          <a:bodyPr/>
+          <a:lstStyle/>
+          <a:p>
+            <a:pPr algn="l"/>
+            <a:r>
+              <a:rPr lang="en-US" altLang="ko-KR" sz="4800" dirty="0">
+                <a:solidFill>
+                  <a:schemeClr val="bg1"/>
+                </a:solidFill>
+              </a:rPr>
+              <a:t>Business Recommendations</a:t>
+            </a:r>
+            <a:endParaRPr lang="en-US" altLang="ko-KR" sz="4800" dirty="0">
+              <a:solidFill>
+                <a:schemeClr val="tx1">
+                  <a:lumMod val="75000"/>
+                  <a:lumOff val="25000"/>
+                </a:schemeClr>
+              </a:solidFill>
+            </a:endParaRPr>
+          </a:p>
+        </p:txBody>
+      </p:sp>
+      <p:cxnSp>
+        <p:nvCxnSpPr>
+          <p:cNvPr id="8" name="Straight Arrow Connector 7"/>
+          <p:cNvCxnSpPr>
+            <a:cxnSpLocks/>
+          </p:cNvCxnSpPr>
+          <p:nvPr/>
+        </p:nvCxnSpPr>
+        <p:spPr>
+          <a:xfrm>
+            <a:off x="251520" y="1347614"/>
+            <a:ext cx="8352928" cy="0"/>
+          </a:xfrm>
+          <a:prstGeom prst="straightConnector1">
+            <a:avLst/>
+          </a:prstGeom>
+          <a:ln w="19050">
+            <a:solidFill>
+              <a:schemeClr val="accent1"/>
+            </a:solidFill>
+            <a:prstDash val="sysDot"/>
+            <a:headEnd type="diamond"/>
+            <a:tailEnd type="diamond"/>
+          </a:ln>
+        </p:spPr>
+        <p:style>
+          <a:lnRef idx="1">
+            <a:schemeClr val="accent1"/>
+          </a:lnRef>
+          <a:fillRef idx="0">
+            <a:schemeClr val="accent1"/>
+          </a:fillRef>
+          <a:effectRef idx="0">
+            <a:schemeClr val="accent1"/>
+          </a:effectRef>
+          <a:fontRef idx="minor">
+            <a:schemeClr val="tx1"/>
+          </a:fontRef>
+        </p:style>
+      </p:cxnSp>
+      <p:cxnSp>
+        <p:nvCxnSpPr>
+          <p:cNvPr id="9" name="Straight Arrow Connector 8"/>
+          <p:cNvCxnSpPr>
+            <a:cxnSpLocks/>
+          </p:cNvCxnSpPr>
+          <p:nvPr/>
+        </p:nvCxnSpPr>
+        <p:spPr>
+          <a:xfrm>
+            <a:off x="251520" y="4731990"/>
+            <a:ext cx="8712968" cy="0"/>
+          </a:xfrm>
+          <a:prstGeom prst="straightConnector1">
+            <a:avLst/>
+          </a:prstGeom>
+          <a:ln w="19050">
+            <a:solidFill>
+              <a:schemeClr val="accent1"/>
+            </a:solidFill>
+            <a:prstDash val="sysDot"/>
+            <a:headEnd type="diamond"/>
+            <a:tailEnd type="diamond"/>
+          </a:ln>
+        </p:spPr>
+        <p:style>
+          <a:lnRef idx="1">
+            <a:schemeClr val="accent1"/>
+          </a:lnRef>
+          <a:fillRef idx="0">
+            <a:schemeClr val="accent1"/>
+          </a:fillRef>
+          <a:effectRef idx="0">
+            <a:schemeClr val="accent1"/>
+          </a:effectRef>
+          <a:fontRef idx="minor">
+            <a:schemeClr val="tx1"/>
+          </a:fontRef>
+        </p:style>
+      </p:cxnSp>
+      <p:sp>
+        <p:nvSpPr>
+          <p:cNvPr id="10" name="TextBox 9">
+            <a:extLst>
+              <a:ext uri="{FF2B5EF4-FFF2-40B4-BE49-F238E27FC236}">
+                <a16:creationId xmlns:a16="http://schemas.microsoft.com/office/drawing/2014/main" id="{ADA560C3-73F7-4B9C-93D9-686EFA6E5091}"/>
+              </a:ext>
+            </a:extLst>
+          </p:cNvPr>
+          <p:cNvSpPr txBox="1"/>
+          <p:nvPr/>
+        </p:nvSpPr>
+        <p:spPr>
+          <a:xfrm>
+            <a:off x="323528" y="1779662"/>
+            <a:ext cx="8496944" cy="2677656"/>
+          </a:xfrm>
+          <a:prstGeom prst="rect">
+            <a:avLst/>
+          </a:prstGeom>
+          <a:noFill/>
+        </p:spPr>
+        <p:txBody>
+          <a:bodyPr wrap="square" rtlCol="0">
+            <a:spAutoFit/>
+          </a:bodyPr>
+          <a:lstStyle/>
+          <a:p>
+            <a:pPr marL="228600" indent="-228600">
+              <a:buAutoNum type="arabicPeriod"/>
+            </a:pPr>
+            <a:r>
+              <a:rPr lang="en-US" altLang="ko-KR" sz="2400" dirty="0">
+                <a:solidFill>
+                  <a:schemeClr val="tx1">
+                    <a:lumMod val="75000"/>
+                    <a:lumOff val="25000"/>
+                  </a:schemeClr>
+                </a:solidFill>
+                <a:cs typeface="Arial" pitchFamily="34" charset="0"/>
+              </a:rPr>
+              <a:t>Keep the data up to date.</a:t>
+            </a:r>
+          </a:p>
+          <a:p>
+            <a:pPr marL="228600" indent="-228600">
+              <a:buAutoNum type="arabicPeriod"/>
+            </a:pPr>
+            <a:endParaRPr lang="en-US" altLang="ko-KR" sz="2400" dirty="0">
+              <a:solidFill>
+                <a:schemeClr val="tx1">
+                  <a:lumMod val="75000"/>
+                  <a:lumOff val="25000"/>
+                </a:schemeClr>
+              </a:solidFill>
+              <a:cs typeface="Arial" pitchFamily="34" charset="0"/>
+            </a:endParaRPr>
+          </a:p>
+          <a:p>
+            <a:pPr marL="228600" indent="-228600">
+              <a:buAutoNum type="arabicPeriod"/>
+            </a:pPr>
+            <a:r>
+              <a:rPr lang="en-US" altLang="ko-KR" sz="2400" dirty="0">
+                <a:solidFill>
+                  <a:schemeClr val="tx1">
+                    <a:lumMod val="75000"/>
+                    <a:lumOff val="25000"/>
+                  </a:schemeClr>
+                </a:solidFill>
+                <a:cs typeface="Arial" pitchFamily="34" charset="0"/>
+              </a:rPr>
+              <a:t> Periodically feed new data to the predictive learning model .</a:t>
+            </a:r>
+          </a:p>
+          <a:p>
+            <a:pPr marL="228600" indent="-228600">
+              <a:buAutoNum type="arabicPeriod"/>
+            </a:pPr>
+            <a:endParaRPr lang="en-US" altLang="ko-KR" sz="2400" dirty="0">
+              <a:solidFill>
+                <a:schemeClr val="tx1">
+                  <a:lumMod val="75000"/>
+                  <a:lumOff val="25000"/>
+                </a:schemeClr>
+              </a:solidFill>
+              <a:cs typeface="Arial" pitchFamily="34" charset="0"/>
+            </a:endParaRPr>
+          </a:p>
+          <a:p>
+            <a:pPr marL="228600" indent="-228600">
+              <a:buAutoNum type="arabicPeriod"/>
+            </a:pPr>
+            <a:r>
+              <a:rPr lang="en-US" altLang="ko-KR" sz="2400">
+                <a:solidFill>
+                  <a:schemeClr val="tx1">
+                    <a:lumMod val="75000"/>
+                    <a:lumOff val="25000"/>
+                  </a:schemeClr>
+                </a:solidFill>
+                <a:cs typeface="Arial" pitchFamily="34" charset="0"/>
+              </a:rPr>
+              <a:t>Filtering </a:t>
+            </a:r>
+            <a:r>
+              <a:rPr lang="en-US" altLang="ko-KR" sz="2400" dirty="0">
+                <a:solidFill>
+                  <a:schemeClr val="tx1">
+                    <a:lumMod val="75000"/>
+                    <a:lumOff val="25000"/>
+                  </a:schemeClr>
+                </a:solidFill>
+                <a:cs typeface="Arial" pitchFamily="34" charset="0"/>
+              </a:rPr>
+              <a:t>reviews using machine learning method is </a:t>
+            </a:r>
+            <a:r>
+              <a:rPr lang="en-US" altLang="ko-KR" sz="2400">
+                <a:solidFill>
+                  <a:schemeClr val="tx1">
+                    <a:lumMod val="75000"/>
+                    <a:lumOff val="25000"/>
+                  </a:schemeClr>
+                </a:solidFill>
+                <a:cs typeface="Arial" pitchFamily="34" charset="0"/>
+              </a:rPr>
+              <a:t>more accurate.</a:t>
+            </a:r>
+            <a:endParaRPr lang="en-US" altLang="ko-KR" sz="2400" dirty="0">
+              <a:solidFill>
+                <a:schemeClr val="tx1">
+                  <a:lumMod val="75000"/>
+                  <a:lumOff val="25000"/>
+                </a:schemeClr>
+              </a:solidFill>
+              <a:cs typeface="Arial" pitchFamily="34" charset="0"/>
+            </a:endParaRPr>
+          </a:p>
+          <a:p>
+            <a:pPr marL="228600" indent="-228600">
+              <a:buAutoNum type="arabicPeriod"/>
+            </a:pPr>
+            <a:endParaRPr lang="en-US" altLang="ko-KR" sz="1200" dirty="0">
+              <a:solidFill>
+                <a:schemeClr val="tx1">
+                  <a:lumMod val="75000"/>
+                  <a:lumOff val="25000"/>
+                </a:schemeClr>
+              </a:solidFill>
+              <a:cs typeface="Arial" pitchFamily="34" charset="0"/>
+            </a:endParaRPr>
+          </a:p>
+          <a:p>
+            <a:pPr marL="228600" indent="-228600">
+              <a:buAutoNum type="arabicPeriod"/>
+            </a:pPr>
+            <a:endParaRPr lang="en-US" altLang="ko-KR" sz="1200" dirty="0">
+              <a:solidFill>
+                <a:schemeClr val="tx1">
+                  <a:lumMod val="75000"/>
+                  <a:lumOff val="25000"/>
+                </a:schemeClr>
+              </a:solidFill>
+              <a:cs typeface="Arial" pitchFamily="34" charset="0"/>
+            </a:endParaRPr>
+          </a:p>
+        </p:txBody>
+      </p:sp>
+    </p:spTree>
+    <p:extLst>
+      <p:ext uri="{BB962C8B-B14F-4D97-AF65-F5344CB8AC3E}">
+        <p14:creationId xmlns:p14="http://schemas.microsoft.com/office/powerpoint/2010/main" val="3410074149"/>
+      </p:ext>
+    </p:extLst>
+  </p:cSld>
+  <p:clrMapOvr>
+    <a:masterClrMapping/>
+  </p:clrMapOvr>
+</p:sld>
+</file>
+
+<file path=ppt/slides/slide15.xml><?xml version="1.0" encoding="utf-8"?>
+<p:sld xmlns:a="http://schemas.openxmlformats.org/drawingml/2006/main" xmlns:r="http://schemas.openxmlformats.org/officeDocument/2006/relationships" xmlns:p="http://schemas.openxmlformats.org/presentationml/2006/main">
+  <p:cSld>
+    <p:spTree>
+      <p:nvGrpSpPr>
+        <p:cNvPr id="1" name=""/>
+        <p:cNvGrpSpPr/>
+        <p:nvPr/>
+      </p:nvGrpSpPr>
+      <p:grpSpPr>
+        <a:xfrm>
+          <a:off x="0" y="0"/>
+          <a:ext cx="0" cy="0"/>
+          <a:chOff x="0" y="0"/>
+          <a:chExt cx="0" cy="0"/>
+        </a:xfrm>
+      </p:grpSpPr>
+      <p:sp>
+        <p:nvSpPr>
+          <p:cNvPr id="4" name="Rectangle 3"/>
+          <p:cNvSpPr/>
+          <p:nvPr/>
+        </p:nvSpPr>
+        <p:spPr>
+          <a:xfrm>
+            <a:off x="0" y="0"/>
+            <a:ext cx="9144000" cy="1131590"/>
+          </a:xfrm>
+          <a:prstGeom prst="rect">
+            <a:avLst/>
+          </a:prstGeom>
+          <a:solidFill>
+            <a:schemeClr val="accent1"/>
+          </a:solidFill>
+          <a:ln>
+            <a:noFill/>
+          </a:ln>
+        </p:spPr>
+        <p:style>
+          <a:lnRef idx="2">
+            <a:schemeClr val="accent1">
+              <a:shade val="50000"/>
+            </a:schemeClr>
+          </a:lnRef>
+          <a:fillRef idx="1">
+            <a:schemeClr val="accent1"/>
+          </a:fillRef>
+          <a:effectRef idx="0">
+            <a:schemeClr val="accent1"/>
+          </a:effectRef>
+          <a:fontRef idx="minor">
+            <a:schemeClr val="lt1"/>
+          </a:fontRef>
+        </p:style>
+        <p:txBody>
+          <a:bodyPr rot="0" spcFirstLastPara="0" vertOverflow="overflow" horzOverflow="overflow" vert="horz" wrap="square" lIns="91440" tIns="45720" rIns="91440" bIns="45720" numCol="1" spcCol="0" rtlCol="0" fromWordArt="0" anchor="ctr" anchorCtr="0" forceAA="0" compatLnSpc="1">
+            <a:prstTxWarp prst="textNoShape">
+              <a:avLst/>
+            </a:prstTxWarp>
+            <a:noAutofit/>
+          </a:bodyPr>
+          <a:lstStyle/>
+          <a:p>
+            <a:pPr algn="ctr"/>
+            <a:endParaRPr lang="ko-KR" altLang="en-US"/>
+          </a:p>
+        </p:txBody>
+      </p:sp>
+      <p:sp>
+        <p:nvSpPr>
+          <p:cNvPr id="2" name="Text Placeholder 1"/>
+          <p:cNvSpPr>
+            <a:spLocks noGrp="1"/>
+          </p:cNvSpPr>
+          <p:nvPr>
+            <p:ph type="body" sz="quarter" idx="10"/>
+          </p:nvPr>
+        </p:nvSpPr>
+        <p:spPr>
+          <a:xfrm>
+            <a:off x="251520" y="-308570"/>
             <a:ext cx="6264696" cy="1944216"/>
           </a:xfrm>
         </p:spPr>
@@ -6832,7 +7203,7 @@
 </p:sld>
 </file>
 
-<file path=ppt/slides/slide15.xml><?xml version="1.0" encoding="utf-8"?>
+<file path=ppt/slides/slide16.xml><?xml version="1.0" encoding="utf-8"?>
 <p:sld xmlns:a="http://schemas.openxmlformats.org/drawingml/2006/main" xmlns:r="http://schemas.openxmlformats.org/officeDocument/2006/relationships" xmlns:p="http://schemas.openxmlformats.org/presentationml/2006/main">
   <p:cSld>
     <p:spTree>
@@ -7127,7 +7498,7 @@
 </p:sld>
 </file>
 
-<file path=ppt/slides/slide16.xml><?xml version="1.0" encoding="utf-8"?>
+<file path=ppt/slides/slide17.xml><?xml version="1.0" encoding="utf-8"?>
 <p:sld xmlns:a="http://schemas.openxmlformats.org/drawingml/2006/main" xmlns:r="http://schemas.openxmlformats.org/officeDocument/2006/relationships" xmlns:p="http://schemas.openxmlformats.org/presentationml/2006/main">
   <p:cSld>
     <p:spTree>
@@ -7517,7 +7888,7 @@
 </p:sld>
 </file>
 
-<file path=ppt/slides/slide17.xml><?xml version="1.0" encoding="utf-8"?>
+<file path=ppt/slides/slide18.xml><?xml version="1.0" encoding="utf-8"?>
 <p:sld xmlns:a="http://schemas.openxmlformats.org/drawingml/2006/main" xmlns:r="http://schemas.openxmlformats.org/officeDocument/2006/relationships" xmlns:p="http://schemas.openxmlformats.org/presentationml/2006/main">
   <p:cSld>
     <p:spTree>

--- a/Capstone_Presentation.pptx
+++ b/Capstone_Presentation.pptx
@@ -16,15 +16,16 @@
     <p:sldId id="289" r:id="rId10"/>
     <p:sldId id="295" r:id="rId11"/>
     <p:sldId id="296" r:id="rId12"/>
-    <p:sldId id="299" r:id="rId13"/>
-    <p:sldId id="305" r:id="rId14"/>
-    <p:sldId id="297" r:id="rId15"/>
-    <p:sldId id="298" r:id="rId16"/>
-    <p:sldId id="309" r:id="rId17"/>
-    <p:sldId id="307" r:id="rId18"/>
-    <p:sldId id="308" r:id="rId19"/>
-    <p:sldId id="306" r:id="rId20"/>
-    <p:sldId id="263" r:id="rId21"/>
+    <p:sldId id="310" r:id="rId13"/>
+    <p:sldId id="299" r:id="rId14"/>
+    <p:sldId id="305" r:id="rId15"/>
+    <p:sldId id="297" r:id="rId16"/>
+    <p:sldId id="298" r:id="rId17"/>
+    <p:sldId id="309" r:id="rId18"/>
+    <p:sldId id="307" r:id="rId19"/>
+    <p:sldId id="308" r:id="rId20"/>
+    <p:sldId id="306" r:id="rId21"/>
+    <p:sldId id="263" r:id="rId22"/>
   </p:sldIdLst>
   <p:sldSz cx="9144000" cy="5143500" type="screen16x9"/>
   <p:notesSz cx="6858000" cy="9144000"/>
@@ -5263,7 +5264,7 @@
         </p:nvCxnSpPr>
         <p:spPr>
           <a:xfrm>
-            <a:off x="251520" y="4731990"/>
+            <a:off x="251520" y="4803998"/>
             <a:ext cx="8388932" cy="0"/>
           </a:xfrm>
           <a:prstGeom prst="straightConnector1">
@@ -5295,10 +5296,241 @@
       </p:cxnSp>
       <p:pic>
         <p:nvPicPr>
-          <p:cNvPr id="6146" name="Picture 2">
+          <p:cNvPr id="3" name="Picture 2">
             <a:extLst>
               <a:ext uri="{FF2B5EF4-FFF2-40B4-BE49-F238E27FC236}">
-                <a16:creationId xmlns:a16="http://schemas.microsoft.com/office/drawing/2014/main" id="{82581D97-6E67-4F19-95BA-34A3D9EFDCEE}"/>
+                <a16:creationId xmlns:a16="http://schemas.microsoft.com/office/drawing/2014/main" id="{65AC11D4-6D4C-4A3A-BF0E-DF1021164FFE}"/>
+              </a:ext>
+            </a:extLst>
+          </p:cNvPr>
+          <p:cNvPicPr>
+            <a:picLocks noChangeAspect="1"/>
+          </p:cNvPicPr>
+          <p:nvPr/>
+        </p:nvPicPr>
+        <p:blipFill>
+          <a:blip r:embed="rId2"/>
+          <a:stretch>
+            <a:fillRect/>
+          </a:stretch>
+        </p:blipFill>
+        <p:spPr>
+          <a:xfrm>
+            <a:off x="1026115" y="1420703"/>
+            <a:ext cx="6803737" cy="3312164"/>
+          </a:xfrm>
+          <a:prstGeom prst="rect">
+            <a:avLst/>
+          </a:prstGeom>
+        </p:spPr>
+      </p:pic>
+    </p:spTree>
+    <p:extLst>
+      <p:ext uri="{BB962C8B-B14F-4D97-AF65-F5344CB8AC3E}">
+        <p14:creationId xmlns:p14="http://schemas.microsoft.com/office/powerpoint/2010/main" val="1101860205"/>
+      </p:ext>
+    </p:extLst>
+  </p:cSld>
+  <p:clrMapOvr>
+    <a:masterClrMapping/>
+  </p:clrMapOvr>
+</p:sld>
+</file>
+
+<file path=ppt/slides/slide11.xml><?xml version="1.0" encoding="utf-8"?>
+<p:sld xmlns:a="http://schemas.openxmlformats.org/drawingml/2006/main" xmlns:r="http://schemas.openxmlformats.org/officeDocument/2006/relationships" xmlns:p="http://schemas.openxmlformats.org/presentationml/2006/main">
+  <p:cSld>
+    <p:spTree>
+      <p:nvGrpSpPr>
+        <p:cNvPr id="1" name=""/>
+        <p:cNvGrpSpPr/>
+        <p:nvPr/>
+      </p:nvGrpSpPr>
+      <p:grpSpPr>
+        <a:xfrm>
+          <a:off x="0" y="0"/>
+          <a:ext cx="0" cy="0"/>
+          <a:chOff x="0" y="0"/>
+          <a:chExt cx="0" cy="0"/>
+        </a:xfrm>
+      </p:grpSpPr>
+      <p:sp>
+        <p:nvSpPr>
+          <p:cNvPr id="4" name="Rectangle 3"/>
+          <p:cNvSpPr/>
+          <p:nvPr/>
+        </p:nvSpPr>
+        <p:spPr>
+          <a:xfrm>
+            <a:off x="0" y="0"/>
+            <a:ext cx="9144000" cy="1131590"/>
+          </a:xfrm>
+          <a:prstGeom prst="rect">
+            <a:avLst/>
+          </a:prstGeom>
+          <a:solidFill>
+            <a:schemeClr val="accent1"/>
+          </a:solidFill>
+          <a:ln>
+            <a:noFill/>
+          </a:ln>
+        </p:spPr>
+        <p:style>
+          <a:lnRef idx="2">
+            <a:schemeClr val="accent1">
+              <a:shade val="50000"/>
+            </a:schemeClr>
+          </a:lnRef>
+          <a:fillRef idx="1">
+            <a:schemeClr val="accent1"/>
+          </a:fillRef>
+          <a:effectRef idx="0">
+            <a:schemeClr val="accent1"/>
+          </a:effectRef>
+          <a:fontRef idx="minor">
+            <a:schemeClr val="lt1"/>
+          </a:fontRef>
+        </p:style>
+        <p:txBody>
+          <a:bodyPr rot="0" spcFirstLastPara="0" vertOverflow="overflow" horzOverflow="overflow" vert="horz" wrap="square" lIns="91440" tIns="45720" rIns="91440" bIns="45720" numCol="1" spcCol="0" rtlCol="0" fromWordArt="0" anchor="ctr" anchorCtr="0" forceAA="0" compatLnSpc="1">
+            <a:prstTxWarp prst="textNoShape">
+              <a:avLst/>
+            </a:prstTxWarp>
+            <a:noAutofit/>
+          </a:bodyPr>
+          <a:lstStyle/>
+          <a:p>
+            <a:pPr algn="ctr"/>
+            <a:endParaRPr lang="ko-KR" altLang="en-US"/>
+          </a:p>
+        </p:txBody>
+      </p:sp>
+      <p:sp>
+        <p:nvSpPr>
+          <p:cNvPr id="2" name="Text Placeholder 1"/>
+          <p:cNvSpPr>
+            <a:spLocks noGrp="1"/>
+          </p:cNvSpPr>
+          <p:nvPr>
+            <p:ph type="body" sz="quarter" idx="10"/>
+          </p:nvPr>
+        </p:nvSpPr>
+        <p:spPr>
+          <a:xfrm>
+            <a:off x="251520" y="-308570"/>
+            <a:ext cx="3384376" cy="1944216"/>
+          </a:xfrm>
+        </p:spPr>
+        <p:txBody>
+          <a:bodyPr/>
+          <a:lstStyle/>
+          <a:p>
+            <a:pPr algn="r"/>
+            <a:r>
+              <a:rPr lang="en-US" altLang="ko-KR" sz="4800" dirty="0">
+                <a:solidFill>
+                  <a:schemeClr val="bg1"/>
+                </a:solidFill>
+              </a:rPr>
+              <a:t>Conclusion</a:t>
+            </a:r>
+            <a:endParaRPr lang="en-US" altLang="ko-KR" sz="4800" dirty="0">
+              <a:solidFill>
+                <a:schemeClr val="tx1">
+                  <a:lumMod val="75000"/>
+                  <a:lumOff val="25000"/>
+                </a:schemeClr>
+              </a:solidFill>
+            </a:endParaRPr>
+          </a:p>
+        </p:txBody>
+      </p:sp>
+      <p:cxnSp>
+        <p:nvCxnSpPr>
+          <p:cNvPr id="8" name="Straight Arrow Connector 7"/>
+          <p:cNvCxnSpPr>
+            <a:cxnSpLocks/>
+          </p:cNvCxnSpPr>
+          <p:nvPr/>
+        </p:nvCxnSpPr>
+        <p:spPr>
+          <a:xfrm>
+            <a:off x="251520" y="1347614"/>
+            <a:ext cx="8352928" cy="0"/>
+          </a:xfrm>
+          <a:prstGeom prst="straightConnector1">
+            <a:avLst/>
+          </a:prstGeom>
+          <a:ln w="19050">
+            <a:solidFill>
+              <a:schemeClr val="accent1"/>
+            </a:solidFill>
+            <a:prstDash val="sysDot"/>
+            <a:headEnd type="diamond"/>
+            <a:tailEnd type="diamond"/>
+          </a:ln>
+        </p:spPr>
+        <p:style>
+          <a:lnRef idx="1">
+            <a:schemeClr val="accent1"/>
+          </a:lnRef>
+          <a:fillRef idx="0">
+            <a:schemeClr val="accent1"/>
+          </a:fillRef>
+          <a:effectRef idx="0">
+            <a:schemeClr val="accent1"/>
+          </a:effectRef>
+          <a:fontRef idx="minor">
+            <a:schemeClr val="tx1"/>
+          </a:fontRef>
+        </p:style>
+      </p:cxnSp>
+      <p:cxnSp>
+        <p:nvCxnSpPr>
+          <p:cNvPr id="9" name="Straight Arrow Connector 8"/>
+          <p:cNvCxnSpPr>
+            <a:cxnSpLocks/>
+          </p:cNvCxnSpPr>
+          <p:nvPr/>
+        </p:nvCxnSpPr>
+        <p:spPr>
+          <a:xfrm>
+            <a:off x="251520" y="4948014"/>
+            <a:ext cx="8388932" cy="0"/>
+          </a:xfrm>
+          <a:prstGeom prst="straightConnector1">
+            <a:avLst/>
+          </a:prstGeom>
+          <a:ln w="19050">
+            <a:solidFill>
+              <a:schemeClr val="accent1"/>
+            </a:solidFill>
+            <a:prstDash val="sysDot"/>
+            <a:headEnd type="diamond"/>
+            <a:tailEnd type="diamond"/>
+          </a:ln>
+        </p:spPr>
+        <p:style>
+          <a:lnRef idx="1">
+            <a:schemeClr val="accent1"/>
+          </a:lnRef>
+          <a:fillRef idx="0">
+            <a:schemeClr val="accent1"/>
+          </a:fillRef>
+          <a:effectRef idx="0">
+            <a:schemeClr val="accent1"/>
+          </a:effectRef>
+          <a:fontRef idx="minor">
+            <a:schemeClr val="tx1"/>
+          </a:fontRef>
+        </p:style>
+      </p:cxnSp>
+      <p:pic>
+        <p:nvPicPr>
+          <p:cNvPr id="2050" name="Picture 2">
+            <a:extLst>
+              <a:ext uri="{FF2B5EF4-FFF2-40B4-BE49-F238E27FC236}">
+                <a16:creationId xmlns:a16="http://schemas.microsoft.com/office/drawing/2014/main" id="{36F04887-3BA8-493C-922F-4A2929D62ABD}"/>
               </a:ext>
             </a:extLst>
           </p:cNvPr>
@@ -5322,8 +5554,8 @@
         </p:blipFill>
         <p:spPr bwMode="auto">
           <a:xfrm>
-            <a:off x="2286000" y="1269677"/>
-            <a:ext cx="4572000" cy="3324225"/>
+            <a:off x="2123728" y="1445060"/>
+            <a:ext cx="4752528" cy="3468856"/>
           </a:xfrm>
           <a:prstGeom prst="rect">
             <a:avLst/>
@@ -5353,7 +5585,7 @@
 </p:sld>
 </file>
 
-<file path=ppt/slides/slide11.xml><?xml version="1.0" encoding="utf-8"?>
+<file path=ppt/slides/slide12.xml><?xml version="1.0" encoding="utf-8"?>
 <p:sld xmlns:a="http://schemas.openxmlformats.org/drawingml/2006/main" xmlns:r="http://schemas.openxmlformats.org/officeDocument/2006/relationships" xmlns:p="http://schemas.openxmlformats.org/presentationml/2006/main">
   <p:cSld>
     <p:spTree>
@@ -5824,7 +6056,7 @@
 </p:sld>
 </file>
 
-<file path=ppt/slides/slide12.xml><?xml version="1.0" encoding="utf-8"?>
+<file path=ppt/slides/slide13.xml><?xml version="1.0" encoding="utf-8"?>
 <p:sld xmlns:a="http://schemas.openxmlformats.org/drawingml/2006/main" xmlns:r="http://schemas.openxmlformats.org/officeDocument/2006/relationships" xmlns:p="http://schemas.openxmlformats.org/presentationml/2006/main">
   <p:cSld>
     <p:spTree>
@@ -6205,7 +6437,7 @@
 </p:sld>
 </file>
 
-<file path=ppt/slides/slide13.xml><?xml version="1.0" encoding="utf-8"?>
+<file path=ppt/slides/slide14.xml><?xml version="1.0" encoding="utf-8"?>
 <p:sld xmlns:a="http://schemas.openxmlformats.org/drawingml/2006/main" xmlns:r="http://schemas.openxmlformats.org/officeDocument/2006/relationships" xmlns:p="http://schemas.openxmlformats.org/presentationml/2006/main">
   <p:cSld>
     <p:spTree>
@@ -6496,7 +6728,7 @@
 </p:sld>
 </file>
 
-<file path=ppt/slides/slide14.xml><?xml version="1.0" encoding="utf-8"?>
+<file path=ppt/slides/slide15.xml><?xml version="1.0" encoding="utf-8"?>
 <p:sld xmlns:a="http://schemas.openxmlformats.org/drawingml/2006/main" xmlns:r="http://schemas.openxmlformats.org/officeDocument/2006/relationships" xmlns:p="http://schemas.openxmlformats.org/presentationml/2006/main">
   <p:cSld>
     <p:spTree>
@@ -6778,18 +7010,6 @@
               <a:buAutoNum type="arabicPeriod"/>
             </a:pPr>
             <a:r>
-              <a:rPr lang="en-US" altLang="ko-KR" sz="2400">
-                <a:solidFill>
-                  <a:schemeClr val="tx1">
-                    <a:lumMod val="75000"/>
-                    <a:lumOff val="25000"/>
-                  </a:schemeClr>
-                </a:solidFill>
-                <a:cs typeface="Arial" pitchFamily="34" charset="0"/>
-              </a:rPr>
-              <a:t>Filtering </a:t>
-            </a:r>
-            <a:r>
               <a:rPr lang="en-US" altLang="ko-KR" sz="2400" dirty="0">
                 <a:solidFill>
                   <a:schemeClr val="tx1">
@@ -6799,7 +7019,7 @@
                 </a:solidFill>
                 <a:cs typeface="Arial" pitchFamily="34" charset="0"/>
               </a:rPr>
-              <a:t>reviews using machine learning method is </a:t>
+              <a:t>Filtering reviews using machine learning method is </a:t>
             </a:r>
             <a:r>
               <a:rPr lang="en-US" altLang="ko-KR" sz="2400">
@@ -6866,7 +7086,7 @@
 </p:sld>
 </file>
 
-<file path=ppt/slides/slide15.xml><?xml version="1.0" encoding="utf-8"?>
+<file path=ppt/slides/slide16.xml><?xml version="1.0" encoding="utf-8"?>
 <p:sld xmlns:a="http://schemas.openxmlformats.org/drawingml/2006/main" xmlns:r="http://schemas.openxmlformats.org/officeDocument/2006/relationships" xmlns:p="http://schemas.openxmlformats.org/presentationml/2006/main">
   <p:cSld>
     <p:spTree>
@@ -7203,7 +7423,7 @@
 </p:sld>
 </file>
 
-<file path=ppt/slides/slide16.xml><?xml version="1.0" encoding="utf-8"?>
+<file path=ppt/slides/slide17.xml><?xml version="1.0" encoding="utf-8"?>
 <p:sld xmlns:a="http://schemas.openxmlformats.org/drawingml/2006/main" xmlns:r="http://schemas.openxmlformats.org/officeDocument/2006/relationships" xmlns:p="http://schemas.openxmlformats.org/presentationml/2006/main">
   <p:cSld>
     <p:spTree>
@@ -7498,7 +7718,7 @@
 </p:sld>
 </file>
 
-<file path=ppt/slides/slide17.xml><?xml version="1.0" encoding="utf-8"?>
+<file path=ppt/slides/slide18.xml><?xml version="1.0" encoding="utf-8"?>
 <p:sld xmlns:a="http://schemas.openxmlformats.org/drawingml/2006/main" xmlns:r="http://schemas.openxmlformats.org/officeDocument/2006/relationships" xmlns:p="http://schemas.openxmlformats.org/presentationml/2006/main">
   <p:cSld>
     <p:spTree>
@@ -7888,7 +8108,7 @@
 </p:sld>
 </file>
 
-<file path=ppt/slides/slide18.xml><?xml version="1.0" encoding="utf-8"?>
+<file path=ppt/slides/slide19.xml><?xml version="1.0" encoding="utf-8"?>
 <p:sld xmlns:a="http://schemas.openxmlformats.org/drawingml/2006/main" xmlns:r="http://schemas.openxmlformats.org/officeDocument/2006/relationships" xmlns:p="http://schemas.openxmlformats.org/presentationml/2006/main">
   <p:cSld>
     <p:spTree>
@@ -24941,7 +25161,7 @@
         </p:nvCxnSpPr>
         <p:spPr>
           <a:xfrm>
-            <a:off x="251520" y="4731990"/>
+            <a:off x="251520" y="5020022"/>
             <a:ext cx="8388932" cy="0"/>
           </a:xfrm>
           <a:prstGeom prst="straightConnector1">
@@ -24973,10 +25193,10 @@
       </p:cxnSp>
       <p:pic>
         <p:nvPicPr>
-          <p:cNvPr id="6" name="Picture 2">
+          <p:cNvPr id="3" name="Picture 2">
             <a:extLst>
               <a:ext uri="{FF2B5EF4-FFF2-40B4-BE49-F238E27FC236}">
-                <a16:creationId xmlns:a16="http://schemas.microsoft.com/office/drawing/2014/main" id="{2DBE81F3-4C23-499A-803C-215AB1CFF5CC}"/>
+                <a16:creationId xmlns:a16="http://schemas.microsoft.com/office/drawing/2014/main" id="{8EAF55B4-C9DB-4B9E-8C8D-5B7D713C898E}"/>
               </a:ext>
             </a:extLst>
           </p:cNvPr>
@@ -25000,8 +25220,8 @@
         </p:blipFill>
         <p:spPr bwMode="auto">
           <a:xfrm>
-            <a:off x="1403648" y="1635646"/>
-            <a:ext cx="5436096" cy="2903026"/>
+            <a:off x="827584" y="1459979"/>
+            <a:ext cx="6786500" cy="3539349"/>
           </a:xfrm>
           <a:prstGeom prst="rect">
             <a:avLst/>

--- a/Capstone_Presentation.pptx
+++ b/Capstone_Presentation.pptx
@@ -5264,7 +5264,7 @@
         </p:nvCxnSpPr>
         <p:spPr>
           <a:xfrm>
-            <a:off x="251520" y="4803998"/>
+            <a:off x="251520" y="5020022"/>
             <a:ext cx="8388932" cy="0"/>
           </a:xfrm>
           <a:prstGeom prst="straightConnector1">
@@ -5296,10 +5296,10 @@
       </p:cxnSp>
       <p:pic>
         <p:nvPicPr>
-          <p:cNvPr id="3" name="Picture 2">
+          <p:cNvPr id="5" name="Picture 4">
             <a:extLst>
               <a:ext uri="{FF2B5EF4-FFF2-40B4-BE49-F238E27FC236}">
-                <a16:creationId xmlns:a16="http://schemas.microsoft.com/office/drawing/2014/main" id="{65AC11D4-6D4C-4A3A-BF0E-DF1021164FFE}"/>
+                <a16:creationId xmlns:a16="http://schemas.microsoft.com/office/drawing/2014/main" id="{E7C812A4-AA0D-4CAF-B2FF-364432FB1290}"/>
               </a:ext>
             </a:extLst>
           </p:cNvPr>
@@ -5316,8 +5316,8 @@
         </p:blipFill>
         <p:spPr>
           <a:xfrm>
-            <a:off x="1026115" y="1420703"/>
-            <a:ext cx="6803737" cy="3312164"/>
+            <a:off x="1173189" y="1567926"/>
+            <a:ext cx="6797622" cy="3318961"/>
           </a:xfrm>
           <a:prstGeom prst="rect">
             <a:avLst/>
